--- a/crebys-itj/recursos/Img/logo.pptx
+++ b/crebys-itj/recursos/Img/logo.pptx
@@ -7,14 +7,14 @@
   <p:sldIdLst>
     <p:sldId id="256" r:id="rId2"/>
   </p:sldIdLst>
-  <p:sldSz cx="5940425" cy="3529013"/>
+  <p:sldSz cx="5400675" cy="1511300"/>
   <p:notesSz cx="6858000" cy="9144000"/>
   <p:defaultTextStyle>
     <a:defPPr>
       <a:defRPr lang="es-MX"/>
     </a:defPPr>
-    <a:lvl1pPr marL="0" algn="l" defTabSz="813907" rtl="0" eaLnBrk="1" latinLnBrk="0" hangingPunct="1">
-      <a:defRPr sz="1600" kern="1200">
+    <a:lvl1pPr marL="0" algn="l" defTabSz="710297" rtl="0" eaLnBrk="1" latinLnBrk="0" hangingPunct="1">
+      <a:defRPr sz="1400" kern="1200">
         <a:solidFill>
           <a:schemeClr val="tx1"/>
         </a:solidFill>
@@ -23,8 +23,8 @@
         <a:cs typeface="+mn-cs"/>
       </a:defRPr>
     </a:lvl1pPr>
-    <a:lvl2pPr marL="406954" algn="l" defTabSz="813907" rtl="0" eaLnBrk="1" latinLnBrk="0" hangingPunct="1">
-      <a:defRPr sz="1600" kern="1200">
+    <a:lvl2pPr marL="355149" algn="l" defTabSz="710297" rtl="0" eaLnBrk="1" latinLnBrk="0" hangingPunct="1">
+      <a:defRPr sz="1400" kern="1200">
         <a:solidFill>
           <a:schemeClr val="tx1"/>
         </a:solidFill>
@@ -33,8 +33,8 @@
         <a:cs typeface="+mn-cs"/>
       </a:defRPr>
     </a:lvl2pPr>
-    <a:lvl3pPr marL="813907" algn="l" defTabSz="813907" rtl="0" eaLnBrk="1" latinLnBrk="0" hangingPunct="1">
-      <a:defRPr sz="1600" kern="1200">
+    <a:lvl3pPr marL="710297" algn="l" defTabSz="710297" rtl="0" eaLnBrk="1" latinLnBrk="0" hangingPunct="1">
+      <a:defRPr sz="1400" kern="1200">
         <a:solidFill>
           <a:schemeClr val="tx1"/>
         </a:solidFill>
@@ -43,8 +43,8 @@
         <a:cs typeface="+mn-cs"/>
       </a:defRPr>
     </a:lvl3pPr>
-    <a:lvl4pPr marL="1220861" algn="l" defTabSz="813907" rtl="0" eaLnBrk="1" latinLnBrk="0" hangingPunct="1">
-      <a:defRPr sz="1600" kern="1200">
+    <a:lvl4pPr marL="1065445" algn="l" defTabSz="710297" rtl="0" eaLnBrk="1" latinLnBrk="0" hangingPunct="1">
+      <a:defRPr sz="1400" kern="1200">
         <a:solidFill>
           <a:schemeClr val="tx1"/>
         </a:solidFill>
@@ -53,8 +53,8 @@
         <a:cs typeface="+mn-cs"/>
       </a:defRPr>
     </a:lvl4pPr>
-    <a:lvl5pPr marL="1627815" algn="l" defTabSz="813907" rtl="0" eaLnBrk="1" latinLnBrk="0" hangingPunct="1">
-      <a:defRPr sz="1600" kern="1200">
+    <a:lvl5pPr marL="1420594" algn="l" defTabSz="710297" rtl="0" eaLnBrk="1" latinLnBrk="0" hangingPunct="1">
+      <a:defRPr sz="1400" kern="1200">
         <a:solidFill>
           <a:schemeClr val="tx1"/>
         </a:solidFill>
@@ -63,8 +63,8 @@
         <a:cs typeface="+mn-cs"/>
       </a:defRPr>
     </a:lvl5pPr>
-    <a:lvl6pPr marL="2034769" algn="l" defTabSz="813907" rtl="0" eaLnBrk="1" latinLnBrk="0" hangingPunct="1">
-      <a:defRPr sz="1600" kern="1200">
+    <a:lvl6pPr marL="1775743" algn="l" defTabSz="710297" rtl="0" eaLnBrk="1" latinLnBrk="0" hangingPunct="1">
+      <a:defRPr sz="1400" kern="1200">
         <a:solidFill>
           <a:schemeClr val="tx1"/>
         </a:solidFill>
@@ -73,8 +73,8 @@
         <a:cs typeface="+mn-cs"/>
       </a:defRPr>
     </a:lvl6pPr>
-    <a:lvl7pPr marL="2441722" algn="l" defTabSz="813907" rtl="0" eaLnBrk="1" latinLnBrk="0" hangingPunct="1">
-      <a:defRPr sz="1600" kern="1200">
+    <a:lvl7pPr marL="2130891" algn="l" defTabSz="710297" rtl="0" eaLnBrk="1" latinLnBrk="0" hangingPunct="1">
+      <a:defRPr sz="1400" kern="1200">
         <a:solidFill>
           <a:schemeClr val="tx1"/>
         </a:solidFill>
@@ -83,8 +83,8 @@
         <a:cs typeface="+mn-cs"/>
       </a:defRPr>
     </a:lvl7pPr>
-    <a:lvl8pPr marL="2848676" algn="l" defTabSz="813907" rtl="0" eaLnBrk="1" latinLnBrk="0" hangingPunct="1">
-      <a:defRPr sz="1600" kern="1200">
+    <a:lvl8pPr marL="2486040" algn="l" defTabSz="710297" rtl="0" eaLnBrk="1" latinLnBrk="0" hangingPunct="1">
+      <a:defRPr sz="1400" kern="1200">
         <a:solidFill>
           <a:schemeClr val="tx1"/>
         </a:solidFill>
@@ -93,8 +93,8 @@
         <a:cs typeface="+mn-cs"/>
       </a:defRPr>
     </a:lvl8pPr>
-    <a:lvl9pPr marL="3255630" algn="l" defTabSz="813907" rtl="0" eaLnBrk="1" latinLnBrk="0" hangingPunct="1">
-      <a:defRPr sz="1600" kern="1200">
+    <a:lvl9pPr marL="2841188" algn="l" defTabSz="710297" rtl="0" eaLnBrk="1" latinLnBrk="0" hangingPunct="1">
+      <a:defRPr sz="1400" kern="1200">
         <a:solidFill>
           <a:schemeClr val="tx1"/>
         </a:solidFill>
@@ -136,8 +136,8 @@
         </p:nvSpPr>
         <p:spPr>
           <a:xfrm>
-            <a:off x="445534" y="1096284"/>
-            <a:ext cx="5049361" cy="756451"/>
+            <a:off x="405055" y="469484"/>
+            <a:ext cx="4590574" cy="323950"/>
           </a:xfrm>
         </p:spPr>
         <p:txBody>
@@ -164,8 +164,8 @@
         </p:nvSpPr>
         <p:spPr>
           <a:xfrm>
-            <a:off x="891064" y="1999775"/>
-            <a:ext cx="4158298" cy="901859"/>
+            <a:off x="810101" y="856405"/>
+            <a:ext cx="3780473" cy="386221"/>
           </a:xfrm>
         </p:spPr>
         <p:txBody>
@@ -181,7 +181,7 @@
                 </a:solidFill>
               </a:defRPr>
             </a:lvl1pPr>
-            <a:lvl2pPr marL="406954" indent="0" algn="ctr">
+            <a:lvl2pPr marL="355149" indent="0" algn="ctr">
               <a:buNone/>
               <a:defRPr>
                 <a:solidFill>
@@ -191,7 +191,7 @@
                 </a:solidFill>
               </a:defRPr>
             </a:lvl2pPr>
-            <a:lvl3pPr marL="813907" indent="0" algn="ctr">
+            <a:lvl3pPr marL="710297" indent="0" algn="ctr">
               <a:buNone/>
               <a:defRPr>
                 <a:solidFill>
@@ -201,7 +201,7 @@
                 </a:solidFill>
               </a:defRPr>
             </a:lvl3pPr>
-            <a:lvl4pPr marL="1220861" indent="0" algn="ctr">
+            <a:lvl4pPr marL="1065445" indent="0" algn="ctr">
               <a:buNone/>
               <a:defRPr>
                 <a:solidFill>
@@ -211,7 +211,7 @@
                 </a:solidFill>
               </a:defRPr>
             </a:lvl4pPr>
-            <a:lvl5pPr marL="1627815" indent="0" algn="ctr">
+            <a:lvl5pPr marL="1420594" indent="0" algn="ctr">
               <a:buNone/>
               <a:defRPr>
                 <a:solidFill>
@@ -221,7 +221,7 @@
                 </a:solidFill>
               </a:defRPr>
             </a:lvl5pPr>
-            <a:lvl6pPr marL="2034769" indent="0" algn="ctr">
+            <a:lvl6pPr marL="1775743" indent="0" algn="ctr">
               <a:buNone/>
               <a:defRPr>
                 <a:solidFill>
@@ -231,7 +231,7 @@
                 </a:solidFill>
               </a:defRPr>
             </a:lvl6pPr>
-            <a:lvl7pPr marL="2441722" indent="0" algn="ctr">
+            <a:lvl7pPr marL="2130891" indent="0" algn="ctr">
               <a:buNone/>
               <a:defRPr>
                 <a:solidFill>
@@ -241,7 +241,7 @@
                 </a:solidFill>
               </a:defRPr>
             </a:lvl7pPr>
-            <a:lvl8pPr marL="2848676" indent="0" algn="ctr">
+            <a:lvl8pPr marL="2486040" indent="0" algn="ctr">
               <a:buNone/>
               <a:defRPr>
                 <a:solidFill>
@@ -251,7 +251,7 @@
                 </a:solidFill>
               </a:defRPr>
             </a:lvl8pPr>
-            <a:lvl9pPr marL="3255630" indent="0" algn="ctr">
+            <a:lvl9pPr marL="2841188" indent="0" algn="ctr">
               <a:buNone/>
               <a:defRPr>
                 <a:solidFill>
@@ -548,8 +548,8 @@
         </p:nvSpPr>
         <p:spPr>
           <a:xfrm>
-            <a:off x="3986071" y="141328"/>
-            <a:ext cx="1236557" cy="3011098"/>
+            <a:off x="3623897" y="60524"/>
+            <a:ext cx="1124203" cy="1289503"/>
           </a:xfrm>
         </p:spPr>
         <p:txBody>
@@ -576,8 +576,8 @@
         </p:nvSpPr>
         <p:spPr>
           <a:xfrm>
-            <a:off x="275365" y="141328"/>
-            <a:ext cx="3611695" cy="3011098"/>
+            <a:off x="250345" y="60524"/>
+            <a:ext cx="3283535" cy="1289503"/>
           </a:xfrm>
         </p:spPr>
         <p:txBody>
@@ -898,15 +898,15 @@
         </p:nvSpPr>
         <p:spPr>
           <a:xfrm>
-            <a:off x="469256" y="2267722"/>
-            <a:ext cx="5049361" cy="700902"/>
+            <a:off x="426619" y="971153"/>
+            <a:ext cx="4590574" cy="300161"/>
           </a:xfrm>
         </p:spPr>
         <p:txBody>
           <a:bodyPr anchor="t"/>
           <a:lstStyle>
             <a:lvl1pPr algn="l">
-              <a:defRPr sz="3600" b="1" cap="all"/>
+              <a:defRPr sz="3100" b="1" cap="all"/>
             </a:lvl1pPr>
           </a:lstStyle>
           <a:p>
@@ -930,8 +930,8 @@
         </p:nvSpPr>
         <p:spPr>
           <a:xfrm>
-            <a:off x="469256" y="1495746"/>
-            <a:ext cx="5049361" cy="771971"/>
+            <a:off x="426619" y="640554"/>
+            <a:ext cx="4590574" cy="330597"/>
           </a:xfrm>
         </p:spPr>
         <p:txBody>
@@ -939,7 +939,7 @@
           <a:lstStyle>
             <a:lvl1pPr marL="0" indent="0">
               <a:buNone/>
-              <a:defRPr sz="1800">
+              <a:defRPr sz="1600">
                 <a:solidFill>
                   <a:schemeClr val="tx1">
                     <a:tint val="75000"/>
@@ -947,9 +947,9 @@
                 </a:solidFill>
               </a:defRPr>
             </a:lvl1pPr>
-            <a:lvl2pPr marL="406954" indent="0">
-              <a:buNone/>
-              <a:defRPr sz="1600">
+            <a:lvl2pPr marL="355149" indent="0">
+              <a:buNone/>
+              <a:defRPr sz="1400">
                 <a:solidFill>
                   <a:schemeClr val="tx1">
                     <a:tint val="75000"/>
@@ -957,9 +957,9 @@
                 </a:solidFill>
               </a:defRPr>
             </a:lvl2pPr>
-            <a:lvl3pPr marL="813907" indent="0">
-              <a:buNone/>
-              <a:defRPr sz="1400">
+            <a:lvl3pPr marL="710297" indent="0">
+              <a:buNone/>
+              <a:defRPr sz="1200">
                 <a:solidFill>
                   <a:schemeClr val="tx1">
                     <a:tint val="75000"/>
@@ -967,9 +967,9 @@
                 </a:solidFill>
               </a:defRPr>
             </a:lvl3pPr>
-            <a:lvl4pPr marL="1220861" indent="0">
-              <a:buNone/>
-              <a:defRPr sz="1200">
+            <a:lvl4pPr marL="1065445" indent="0">
+              <a:buNone/>
+              <a:defRPr sz="1000">
                 <a:solidFill>
                   <a:schemeClr val="tx1">
                     <a:tint val="75000"/>
@@ -977,9 +977,9 @@
                 </a:solidFill>
               </a:defRPr>
             </a:lvl4pPr>
-            <a:lvl5pPr marL="1627815" indent="0">
-              <a:buNone/>
-              <a:defRPr sz="1200">
+            <a:lvl5pPr marL="1420594" indent="0">
+              <a:buNone/>
+              <a:defRPr sz="1000">
                 <a:solidFill>
                   <a:schemeClr val="tx1">
                     <a:tint val="75000"/>
@@ -987,9 +987,9 @@
                 </a:solidFill>
               </a:defRPr>
             </a:lvl5pPr>
-            <a:lvl6pPr marL="2034769" indent="0">
-              <a:buNone/>
-              <a:defRPr sz="1200">
+            <a:lvl6pPr marL="1775743" indent="0">
+              <a:buNone/>
+              <a:defRPr sz="1000">
                 <a:solidFill>
                   <a:schemeClr val="tx1">
                     <a:tint val="75000"/>
@@ -997,9 +997,9 @@
                 </a:solidFill>
               </a:defRPr>
             </a:lvl6pPr>
-            <a:lvl7pPr marL="2441722" indent="0">
-              <a:buNone/>
-              <a:defRPr sz="1200">
+            <a:lvl7pPr marL="2130891" indent="0">
+              <a:buNone/>
+              <a:defRPr sz="1000">
                 <a:solidFill>
                   <a:schemeClr val="tx1">
                     <a:tint val="75000"/>
@@ -1007,9 +1007,9 @@
                 </a:solidFill>
               </a:defRPr>
             </a:lvl7pPr>
-            <a:lvl8pPr marL="2848676" indent="0">
-              <a:buNone/>
-              <a:defRPr sz="1200">
+            <a:lvl8pPr marL="2486040" indent="0">
+              <a:buNone/>
+              <a:defRPr sz="1000">
                 <a:solidFill>
                   <a:schemeClr val="tx1">
                     <a:tint val="75000"/>
@@ -1017,9 +1017,9 @@
                 </a:solidFill>
               </a:defRPr>
             </a:lvl8pPr>
-            <a:lvl9pPr marL="3255630" indent="0">
-              <a:buNone/>
-              <a:defRPr sz="1200">
+            <a:lvl9pPr marL="2841188" indent="0">
+              <a:buNone/>
+              <a:defRPr sz="1000">
                 <a:solidFill>
                   <a:schemeClr val="tx1">
                     <a:tint val="75000"/>
@@ -1167,39 +1167,39 @@
         </p:nvSpPr>
         <p:spPr>
           <a:xfrm>
-            <a:off x="275365" y="823439"/>
-            <a:ext cx="2423610" cy="2328986"/>
+            <a:off x="250345" y="352638"/>
+            <a:ext cx="2203400" cy="997388"/>
           </a:xfrm>
         </p:spPr>
         <p:txBody>
           <a:bodyPr/>
           <a:lstStyle>
             <a:lvl1pPr>
-              <a:defRPr sz="2500"/>
+              <a:defRPr sz="2200"/>
             </a:lvl1pPr>
             <a:lvl2pPr>
-              <a:defRPr sz="2100"/>
+              <a:defRPr sz="1800"/>
             </a:lvl2pPr>
             <a:lvl3pPr>
-              <a:defRPr sz="1800"/>
+              <a:defRPr sz="1600"/>
             </a:lvl3pPr>
             <a:lvl4pPr>
-              <a:defRPr sz="1600"/>
+              <a:defRPr sz="1400"/>
             </a:lvl4pPr>
             <a:lvl5pPr>
-              <a:defRPr sz="1600"/>
+              <a:defRPr sz="1400"/>
             </a:lvl5pPr>
             <a:lvl6pPr>
-              <a:defRPr sz="1600"/>
+              <a:defRPr sz="1400"/>
             </a:lvl6pPr>
             <a:lvl7pPr>
-              <a:defRPr sz="1600"/>
+              <a:defRPr sz="1400"/>
             </a:lvl7pPr>
             <a:lvl8pPr>
-              <a:defRPr sz="1600"/>
+              <a:defRPr sz="1400"/>
             </a:lvl8pPr>
             <a:lvl9pPr>
-              <a:defRPr sz="1600"/>
+              <a:defRPr sz="1400"/>
             </a:lvl9pPr>
           </a:lstStyle>
           <a:p>
@@ -1252,39 +1252,39 @@
         </p:nvSpPr>
         <p:spPr>
           <a:xfrm>
-            <a:off x="2797981" y="823439"/>
-            <a:ext cx="2424642" cy="2328986"/>
+            <a:off x="2543755" y="352638"/>
+            <a:ext cx="2204338" cy="997388"/>
           </a:xfrm>
         </p:spPr>
         <p:txBody>
           <a:bodyPr/>
           <a:lstStyle>
             <a:lvl1pPr>
-              <a:defRPr sz="2500"/>
+              <a:defRPr sz="2200"/>
             </a:lvl1pPr>
             <a:lvl2pPr>
-              <a:defRPr sz="2100"/>
+              <a:defRPr sz="1800"/>
             </a:lvl2pPr>
             <a:lvl3pPr>
-              <a:defRPr sz="1800"/>
+              <a:defRPr sz="1600"/>
             </a:lvl3pPr>
             <a:lvl4pPr>
-              <a:defRPr sz="1600"/>
+              <a:defRPr sz="1400"/>
             </a:lvl4pPr>
             <a:lvl5pPr>
-              <a:defRPr sz="1600"/>
+              <a:defRPr sz="1400"/>
             </a:lvl5pPr>
             <a:lvl6pPr>
-              <a:defRPr sz="1600"/>
+              <a:defRPr sz="1400"/>
             </a:lvl6pPr>
             <a:lvl7pPr>
-              <a:defRPr sz="1600"/>
+              <a:defRPr sz="1400"/>
             </a:lvl7pPr>
             <a:lvl8pPr>
-              <a:defRPr sz="1600"/>
+              <a:defRPr sz="1400"/>
             </a:lvl8pPr>
             <a:lvl9pPr>
-              <a:defRPr sz="1600"/>
+              <a:defRPr sz="1400"/>
             </a:lvl9pPr>
           </a:lstStyle>
           <a:p>
@@ -1432,8 +1432,8 @@
         </p:nvSpPr>
         <p:spPr>
           <a:xfrm>
-            <a:off x="297023" y="141325"/>
-            <a:ext cx="5346383" cy="588169"/>
+            <a:off x="270038" y="60522"/>
+            <a:ext cx="4860608" cy="251884"/>
           </a:xfrm>
         </p:spPr>
         <p:txBody>
@@ -1464,8 +1464,8 @@
         </p:nvSpPr>
         <p:spPr>
           <a:xfrm>
-            <a:off x="297024" y="789944"/>
-            <a:ext cx="2624719" cy="329211"/>
+            <a:off x="270037" y="338294"/>
+            <a:ext cx="2386236" cy="140985"/>
           </a:xfrm>
         </p:spPr>
         <p:txBody>
@@ -1473,39 +1473,39 @@
           <a:lstStyle>
             <a:lvl1pPr marL="0" indent="0">
               <a:buNone/>
-              <a:defRPr sz="2100" b="1"/>
+              <a:defRPr sz="1800" b="1"/>
             </a:lvl1pPr>
-            <a:lvl2pPr marL="406954" indent="0">
-              <a:buNone/>
-              <a:defRPr sz="1800" b="1"/>
+            <a:lvl2pPr marL="355149" indent="0">
+              <a:buNone/>
+              <a:defRPr sz="1600" b="1"/>
             </a:lvl2pPr>
-            <a:lvl3pPr marL="813907" indent="0">
-              <a:buNone/>
-              <a:defRPr sz="1600" b="1"/>
+            <a:lvl3pPr marL="710297" indent="0">
+              <a:buNone/>
+              <a:defRPr sz="1400" b="1"/>
             </a:lvl3pPr>
-            <a:lvl4pPr marL="1220861" indent="0">
-              <a:buNone/>
-              <a:defRPr sz="1400" b="1"/>
+            <a:lvl4pPr marL="1065445" indent="0">
+              <a:buNone/>
+              <a:defRPr sz="1200" b="1"/>
             </a:lvl4pPr>
-            <a:lvl5pPr marL="1627815" indent="0">
-              <a:buNone/>
-              <a:defRPr sz="1400" b="1"/>
+            <a:lvl5pPr marL="1420594" indent="0">
+              <a:buNone/>
+              <a:defRPr sz="1200" b="1"/>
             </a:lvl5pPr>
-            <a:lvl6pPr marL="2034769" indent="0">
-              <a:buNone/>
-              <a:defRPr sz="1400" b="1"/>
+            <a:lvl6pPr marL="1775743" indent="0">
+              <a:buNone/>
+              <a:defRPr sz="1200" b="1"/>
             </a:lvl6pPr>
-            <a:lvl7pPr marL="2441722" indent="0">
-              <a:buNone/>
-              <a:defRPr sz="1400" b="1"/>
+            <a:lvl7pPr marL="2130891" indent="0">
+              <a:buNone/>
+              <a:defRPr sz="1200" b="1"/>
             </a:lvl7pPr>
-            <a:lvl8pPr marL="2848676" indent="0">
-              <a:buNone/>
-              <a:defRPr sz="1400" b="1"/>
+            <a:lvl8pPr marL="2486040" indent="0">
+              <a:buNone/>
+              <a:defRPr sz="1200" b="1"/>
             </a:lvl8pPr>
-            <a:lvl9pPr marL="3255630" indent="0">
-              <a:buNone/>
-              <a:defRPr sz="1400" b="1"/>
+            <a:lvl9pPr marL="2841188" indent="0">
+              <a:buNone/>
+              <a:defRPr sz="1200" b="1"/>
             </a:lvl9pPr>
           </a:lstStyle>
           <a:p>
@@ -1529,39 +1529,39 @@
         </p:nvSpPr>
         <p:spPr>
           <a:xfrm>
-            <a:off x="297024" y="1119155"/>
-            <a:ext cx="2624719" cy="2033267"/>
+            <a:off x="270037" y="479279"/>
+            <a:ext cx="2386236" cy="870746"/>
           </a:xfrm>
         </p:spPr>
         <p:txBody>
           <a:bodyPr/>
           <a:lstStyle>
             <a:lvl1pPr>
-              <a:defRPr sz="2100"/>
+              <a:defRPr sz="1800"/>
             </a:lvl1pPr>
             <a:lvl2pPr>
-              <a:defRPr sz="1800"/>
+              <a:defRPr sz="1600"/>
             </a:lvl2pPr>
             <a:lvl3pPr>
-              <a:defRPr sz="1600"/>
+              <a:defRPr sz="1400"/>
             </a:lvl3pPr>
             <a:lvl4pPr>
-              <a:defRPr sz="1400"/>
+              <a:defRPr sz="1200"/>
             </a:lvl4pPr>
             <a:lvl5pPr>
-              <a:defRPr sz="1400"/>
+              <a:defRPr sz="1200"/>
             </a:lvl5pPr>
             <a:lvl6pPr>
-              <a:defRPr sz="1400"/>
+              <a:defRPr sz="1200"/>
             </a:lvl6pPr>
             <a:lvl7pPr>
-              <a:defRPr sz="1400"/>
+              <a:defRPr sz="1200"/>
             </a:lvl7pPr>
             <a:lvl8pPr>
-              <a:defRPr sz="1400"/>
+              <a:defRPr sz="1200"/>
             </a:lvl8pPr>
             <a:lvl9pPr>
-              <a:defRPr sz="1400"/>
+              <a:defRPr sz="1200"/>
             </a:lvl9pPr>
           </a:lstStyle>
           <a:p>
@@ -1614,8 +1614,8 @@
         </p:nvSpPr>
         <p:spPr>
           <a:xfrm>
-            <a:off x="3017657" y="789944"/>
-            <a:ext cx="2625750" cy="329211"/>
+            <a:off x="2743471" y="338294"/>
+            <a:ext cx="2387173" cy="140985"/>
           </a:xfrm>
         </p:spPr>
         <p:txBody>
@@ -1623,39 +1623,39 @@
           <a:lstStyle>
             <a:lvl1pPr marL="0" indent="0">
               <a:buNone/>
-              <a:defRPr sz="2100" b="1"/>
+              <a:defRPr sz="1800" b="1"/>
             </a:lvl1pPr>
-            <a:lvl2pPr marL="406954" indent="0">
-              <a:buNone/>
-              <a:defRPr sz="1800" b="1"/>
+            <a:lvl2pPr marL="355149" indent="0">
+              <a:buNone/>
+              <a:defRPr sz="1600" b="1"/>
             </a:lvl2pPr>
-            <a:lvl3pPr marL="813907" indent="0">
-              <a:buNone/>
-              <a:defRPr sz="1600" b="1"/>
+            <a:lvl3pPr marL="710297" indent="0">
+              <a:buNone/>
+              <a:defRPr sz="1400" b="1"/>
             </a:lvl3pPr>
-            <a:lvl4pPr marL="1220861" indent="0">
-              <a:buNone/>
-              <a:defRPr sz="1400" b="1"/>
+            <a:lvl4pPr marL="1065445" indent="0">
+              <a:buNone/>
+              <a:defRPr sz="1200" b="1"/>
             </a:lvl4pPr>
-            <a:lvl5pPr marL="1627815" indent="0">
-              <a:buNone/>
-              <a:defRPr sz="1400" b="1"/>
+            <a:lvl5pPr marL="1420594" indent="0">
+              <a:buNone/>
+              <a:defRPr sz="1200" b="1"/>
             </a:lvl5pPr>
-            <a:lvl6pPr marL="2034769" indent="0">
-              <a:buNone/>
-              <a:defRPr sz="1400" b="1"/>
+            <a:lvl6pPr marL="1775743" indent="0">
+              <a:buNone/>
+              <a:defRPr sz="1200" b="1"/>
             </a:lvl6pPr>
-            <a:lvl7pPr marL="2441722" indent="0">
-              <a:buNone/>
-              <a:defRPr sz="1400" b="1"/>
+            <a:lvl7pPr marL="2130891" indent="0">
+              <a:buNone/>
+              <a:defRPr sz="1200" b="1"/>
             </a:lvl7pPr>
-            <a:lvl8pPr marL="2848676" indent="0">
-              <a:buNone/>
-              <a:defRPr sz="1400" b="1"/>
+            <a:lvl8pPr marL="2486040" indent="0">
+              <a:buNone/>
+              <a:defRPr sz="1200" b="1"/>
             </a:lvl8pPr>
-            <a:lvl9pPr marL="3255630" indent="0">
-              <a:buNone/>
-              <a:defRPr sz="1400" b="1"/>
+            <a:lvl9pPr marL="2841188" indent="0">
+              <a:buNone/>
+              <a:defRPr sz="1200" b="1"/>
             </a:lvl9pPr>
           </a:lstStyle>
           <a:p>
@@ -1679,39 +1679,39 @@
         </p:nvSpPr>
         <p:spPr>
           <a:xfrm>
-            <a:off x="3017657" y="1119155"/>
-            <a:ext cx="2625750" cy="2033267"/>
+            <a:off x="2743471" y="479279"/>
+            <a:ext cx="2387173" cy="870746"/>
           </a:xfrm>
         </p:spPr>
         <p:txBody>
           <a:bodyPr/>
           <a:lstStyle>
             <a:lvl1pPr>
-              <a:defRPr sz="2100"/>
+              <a:defRPr sz="1800"/>
             </a:lvl1pPr>
             <a:lvl2pPr>
-              <a:defRPr sz="1800"/>
+              <a:defRPr sz="1600"/>
             </a:lvl2pPr>
             <a:lvl3pPr>
-              <a:defRPr sz="1600"/>
+              <a:defRPr sz="1400"/>
             </a:lvl3pPr>
             <a:lvl4pPr>
-              <a:defRPr sz="1400"/>
+              <a:defRPr sz="1200"/>
             </a:lvl4pPr>
             <a:lvl5pPr>
-              <a:defRPr sz="1400"/>
+              <a:defRPr sz="1200"/>
             </a:lvl5pPr>
             <a:lvl6pPr>
-              <a:defRPr sz="1400"/>
+              <a:defRPr sz="1200"/>
             </a:lvl6pPr>
             <a:lvl7pPr>
-              <a:defRPr sz="1400"/>
+              <a:defRPr sz="1200"/>
             </a:lvl7pPr>
             <a:lvl8pPr>
-              <a:defRPr sz="1400"/>
+              <a:defRPr sz="1200"/>
             </a:lvl8pPr>
             <a:lvl9pPr>
-              <a:defRPr sz="1400"/>
+              <a:defRPr sz="1200"/>
             </a:lvl9pPr>
           </a:lstStyle>
           <a:p>
@@ -2072,15 +2072,15 @@
         </p:nvSpPr>
         <p:spPr>
           <a:xfrm>
-            <a:off x="297024" y="140507"/>
-            <a:ext cx="1954359" cy="597972"/>
+            <a:off x="270039" y="60172"/>
+            <a:ext cx="1776785" cy="256081"/>
           </a:xfrm>
         </p:spPr>
         <p:txBody>
           <a:bodyPr anchor="b"/>
           <a:lstStyle>
             <a:lvl1pPr algn="l">
-              <a:defRPr sz="1800" b="1"/>
+              <a:defRPr sz="1600" b="1"/>
             </a:lvl1pPr>
           </a:lstStyle>
           <a:p>
@@ -2104,39 +2104,39 @@
         </p:nvSpPr>
         <p:spPr>
           <a:xfrm>
-            <a:off x="2322545" y="140510"/>
-            <a:ext cx="3320863" cy="3011915"/>
+            <a:off x="2111519" y="60174"/>
+            <a:ext cx="3019128" cy="1289853"/>
           </a:xfrm>
         </p:spPr>
         <p:txBody>
           <a:bodyPr/>
           <a:lstStyle>
             <a:lvl1pPr>
-              <a:defRPr sz="2800"/>
+              <a:defRPr sz="2400"/>
             </a:lvl1pPr>
             <a:lvl2pPr>
-              <a:defRPr sz="2500"/>
+              <a:defRPr sz="2200"/>
             </a:lvl2pPr>
             <a:lvl3pPr>
-              <a:defRPr sz="2100"/>
+              <a:defRPr sz="1800"/>
             </a:lvl3pPr>
             <a:lvl4pPr>
-              <a:defRPr sz="1800"/>
+              <a:defRPr sz="1600"/>
             </a:lvl4pPr>
             <a:lvl5pPr>
-              <a:defRPr sz="1800"/>
+              <a:defRPr sz="1600"/>
             </a:lvl5pPr>
             <a:lvl6pPr>
-              <a:defRPr sz="1800"/>
+              <a:defRPr sz="1600"/>
             </a:lvl6pPr>
             <a:lvl7pPr>
-              <a:defRPr sz="1800"/>
+              <a:defRPr sz="1600"/>
             </a:lvl7pPr>
             <a:lvl8pPr>
-              <a:defRPr sz="1800"/>
+              <a:defRPr sz="1600"/>
             </a:lvl8pPr>
             <a:lvl9pPr>
-              <a:defRPr sz="1800"/>
+              <a:defRPr sz="1600"/>
             </a:lvl9pPr>
           </a:lstStyle>
           <a:p>
@@ -2189,8 +2189,8 @@
         </p:nvSpPr>
         <p:spPr>
           <a:xfrm>
-            <a:off x="297024" y="738482"/>
-            <a:ext cx="1954359" cy="2413943"/>
+            <a:off x="270039" y="316256"/>
+            <a:ext cx="1776785" cy="1033771"/>
           </a:xfrm>
         </p:spPr>
         <p:txBody>
@@ -2198,39 +2198,39 @@
           <a:lstStyle>
             <a:lvl1pPr marL="0" indent="0">
               <a:buNone/>
-              <a:defRPr sz="1200"/>
+              <a:defRPr sz="1000"/>
             </a:lvl1pPr>
-            <a:lvl2pPr marL="406954" indent="0">
-              <a:buNone/>
-              <a:defRPr sz="1100"/>
+            <a:lvl2pPr marL="355149" indent="0">
+              <a:buNone/>
+              <a:defRPr sz="1000"/>
             </a:lvl2pPr>
-            <a:lvl3pPr marL="813907" indent="0">
-              <a:buNone/>
-              <a:defRPr sz="900"/>
+            <a:lvl3pPr marL="710297" indent="0">
+              <a:buNone/>
+              <a:defRPr sz="800"/>
             </a:lvl3pPr>
-            <a:lvl4pPr marL="1220861" indent="0">
-              <a:buNone/>
-              <a:defRPr sz="800"/>
+            <a:lvl4pPr marL="1065445" indent="0">
+              <a:buNone/>
+              <a:defRPr sz="700"/>
             </a:lvl4pPr>
-            <a:lvl5pPr marL="1627815" indent="0">
-              <a:buNone/>
-              <a:defRPr sz="800"/>
+            <a:lvl5pPr marL="1420594" indent="0">
+              <a:buNone/>
+              <a:defRPr sz="700"/>
             </a:lvl5pPr>
-            <a:lvl6pPr marL="2034769" indent="0">
-              <a:buNone/>
-              <a:defRPr sz="800"/>
+            <a:lvl6pPr marL="1775743" indent="0">
+              <a:buNone/>
+              <a:defRPr sz="700"/>
             </a:lvl6pPr>
-            <a:lvl7pPr marL="2441722" indent="0">
-              <a:buNone/>
-              <a:defRPr sz="800"/>
+            <a:lvl7pPr marL="2130891" indent="0">
+              <a:buNone/>
+              <a:defRPr sz="700"/>
             </a:lvl7pPr>
-            <a:lvl8pPr marL="2848676" indent="0">
-              <a:buNone/>
-              <a:defRPr sz="800"/>
+            <a:lvl8pPr marL="2486040" indent="0">
+              <a:buNone/>
+              <a:defRPr sz="700"/>
             </a:lvl8pPr>
-            <a:lvl9pPr marL="3255630" indent="0">
-              <a:buNone/>
-              <a:defRPr sz="800"/>
+            <a:lvl9pPr marL="2841188" indent="0">
+              <a:buNone/>
+              <a:defRPr sz="700"/>
             </a:lvl9pPr>
           </a:lstStyle>
           <a:p>
@@ -2349,15 +2349,15 @@
         </p:nvSpPr>
         <p:spPr>
           <a:xfrm>
-            <a:off x="1164369" y="2470312"/>
-            <a:ext cx="3564255" cy="291634"/>
+            <a:off x="1058576" y="1057911"/>
+            <a:ext cx="3240405" cy="124892"/>
           </a:xfrm>
         </p:spPr>
         <p:txBody>
           <a:bodyPr anchor="b"/>
           <a:lstStyle>
             <a:lvl1pPr algn="l">
-              <a:defRPr sz="1800" b="1"/>
+              <a:defRPr sz="1600" b="1"/>
             </a:lvl1pPr>
           </a:lstStyle>
           <a:p>
@@ -2381,8 +2381,8 @@
         </p:nvSpPr>
         <p:spPr>
           <a:xfrm>
-            <a:off x="1164369" y="315324"/>
-            <a:ext cx="3564255" cy="2117408"/>
+            <a:off x="1058576" y="135037"/>
+            <a:ext cx="3240405" cy="906780"/>
           </a:xfrm>
         </p:spPr>
         <p:txBody>
@@ -2390,39 +2390,39 @@
           <a:lstStyle>
             <a:lvl1pPr marL="0" indent="0">
               <a:buNone/>
-              <a:defRPr sz="2800"/>
+              <a:defRPr sz="2400"/>
             </a:lvl1pPr>
-            <a:lvl2pPr marL="406954" indent="0">
-              <a:buNone/>
-              <a:defRPr sz="2500"/>
+            <a:lvl2pPr marL="355149" indent="0">
+              <a:buNone/>
+              <a:defRPr sz="2200"/>
             </a:lvl2pPr>
-            <a:lvl3pPr marL="813907" indent="0">
-              <a:buNone/>
-              <a:defRPr sz="2100"/>
+            <a:lvl3pPr marL="710297" indent="0">
+              <a:buNone/>
+              <a:defRPr sz="1800"/>
             </a:lvl3pPr>
-            <a:lvl4pPr marL="1220861" indent="0">
-              <a:buNone/>
-              <a:defRPr sz="1800"/>
+            <a:lvl4pPr marL="1065445" indent="0">
+              <a:buNone/>
+              <a:defRPr sz="1600"/>
             </a:lvl4pPr>
-            <a:lvl5pPr marL="1627815" indent="0">
-              <a:buNone/>
-              <a:defRPr sz="1800"/>
+            <a:lvl5pPr marL="1420594" indent="0">
+              <a:buNone/>
+              <a:defRPr sz="1600"/>
             </a:lvl5pPr>
-            <a:lvl6pPr marL="2034769" indent="0">
-              <a:buNone/>
-              <a:defRPr sz="1800"/>
+            <a:lvl6pPr marL="1775743" indent="0">
+              <a:buNone/>
+              <a:defRPr sz="1600"/>
             </a:lvl6pPr>
-            <a:lvl7pPr marL="2441722" indent="0">
-              <a:buNone/>
-              <a:defRPr sz="1800"/>
+            <a:lvl7pPr marL="2130891" indent="0">
+              <a:buNone/>
+              <a:defRPr sz="1600"/>
             </a:lvl7pPr>
-            <a:lvl8pPr marL="2848676" indent="0">
-              <a:buNone/>
-              <a:defRPr sz="1800"/>
+            <a:lvl8pPr marL="2486040" indent="0">
+              <a:buNone/>
+              <a:defRPr sz="1600"/>
             </a:lvl8pPr>
-            <a:lvl9pPr marL="3255630" indent="0">
-              <a:buNone/>
-              <a:defRPr sz="1800"/>
+            <a:lvl9pPr marL="2841188" indent="0">
+              <a:buNone/>
+              <a:defRPr sz="1600"/>
             </a:lvl9pPr>
           </a:lstStyle>
           <a:p>
@@ -2442,8 +2442,8 @@
         </p:nvSpPr>
         <p:spPr>
           <a:xfrm>
-            <a:off x="1164369" y="2761943"/>
-            <a:ext cx="3564255" cy="414168"/>
+            <a:off x="1058576" y="1182803"/>
+            <a:ext cx="3240405" cy="177367"/>
           </a:xfrm>
         </p:spPr>
         <p:txBody>
@@ -2451,39 +2451,39 @@
           <a:lstStyle>
             <a:lvl1pPr marL="0" indent="0">
               <a:buNone/>
-              <a:defRPr sz="1200"/>
+              <a:defRPr sz="1000"/>
             </a:lvl1pPr>
-            <a:lvl2pPr marL="406954" indent="0">
-              <a:buNone/>
-              <a:defRPr sz="1100"/>
+            <a:lvl2pPr marL="355149" indent="0">
+              <a:buNone/>
+              <a:defRPr sz="1000"/>
             </a:lvl2pPr>
-            <a:lvl3pPr marL="813907" indent="0">
-              <a:buNone/>
-              <a:defRPr sz="900"/>
+            <a:lvl3pPr marL="710297" indent="0">
+              <a:buNone/>
+              <a:defRPr sz="800"/>
             </a:lvl3pPr>
-            <a:lvl4pPr marL="1220861" indent="0">
-              <a:buNone/>
-              <a:defRPr sz="800"/>
+            <a:lvl4pPr marL="1065445" indent="0">
+              <a:buNone/>
+              <a:defRPr sz="700"/>
             </a:lvl4pPr>
-            <a:lvl5pPr marL="1627815" indent="0">
-              <a:buNone/>
-              <a:defRPr sz="800"/>
+            <a:lvl5pPr marL="1420594" indent="0">
+              <a:buNone/>
+              <a:defRPr sz="700"/>
             </a:lvl5pPr>
-            <a:lvl6pPr marL="2034769" indent="0">
-              <a:buNone/>
-              <a:defRPr sz="800"/>
+            <a:lvl6pPr marL="1775743" indent="0">
+              <a:buNone/>
+              <a:defRPr sz="700"/>
             </a:lvl6pPr>
-            <a:lvl7pPr marL="2441722" indent="0">
-              <a:buNone/>
-              <a:defRPr sz="800"/>
+            <a:lvl7pPr marL="2130891" indent="0">
+              <a:buNone/>
+              <a:defRPr sz="700"/>
             </a:lvl7pPr>
-            <a:lvl8pPr marL="2848676" indent="0">
-              <a:buNone/>
-              <a:defRPr sz="800"/>
+            <a:lvl8pPr marL="2486040" indent="0">
+              <a:buNone/>
+              <a:defRPr sz="700"/>
             </a:lvl8pPr>
-            <a:lvl9pPr marL="3255630" indent="0">
-              <a:buNone/>
-              <a:defRPr sz="800"/>
+            <a:lvl9pPr marL="2841188" indent="0">
+              <a:buNone/>
+              <a:defRPr sz="700"/>
             </a:lvl9pPr>
           </a:lstStyle>
           <a:p>
@@ -2607,15 +2607,15 @@
         </p:nvSpPr>
         <p:spPr>
           <a:xfrm>
-            <a:off x="297023" y="141325"/>
-            <a:ext cx="5346383" cy="588169"/>
+            <a:off x="270038" y="60522"/>
+            <a:ext cx="4860608" cy="251884"/>
           </a:xfrm>
           <a:prstGeom prst="rect">
             <a:avLst/>
           </a:prstGeom>
         </p:spPr>
         <p:txBody>
-          <a:bodyPr vert="horz" lIns="81391" tIns="40695" rIns="81391" bIns="40695" rtlCol="0" anchor="ctr">
+          <a:bodyPr vert="horz" lIns="71030" tIns="35515" rIns="71030" bIns="35515" rtlCol="0" anchor="ctr">
             <a:normAutofit/>
           </a:bodyPr>
           <a:lstStyle/>
@@ -2640,15 +2640,15 @@
         </p:nvSpPr>
         <p:spPr>
           <a:xfrm>
-            <a:off x="297023" y="823439"/>
-            <a:ext cx="5346383" cy="2328986"/>
+            <a:off x="270038" y="352638"/>
+            <a:ext cx="4860608" cy="997388"/>
           </a:xfrm>
           <a:prstGeom prst="rect">
             <a:avLst/>
           </a:prstGeom>
         </p:spPr>
         <p:txBody>
-          <a:bodyPr vert="horz" lIns="81391" tIns="40695" rIns="81391" bIns="40695" rtlCol="0">
+          <a:bodyPr vert="horz" lIns="71030" tIns="35515" rIns="71030" bIns="35515" rtlCol="0">
             <a:normAutofit/>
           </a:bodyPr>
           <a:lstStyle/>
@@ -2702,18 +2702,18 @@
         </p:nvSpPr>
         <p:spPr>
           <a:xfrm>
-            <a:off x="297024" y="3270876"/>
-            <a:ext cx="1386099" cy="187888"/>
+            <a:off x="270039" y="1400753"/>
+            <a:ext cx="1260157" cy="80463"/>
           </a:xfrm>
           <a:prstGeom prst="rect">
             <a:avLst/>
           </a:prstGeom>
         </p:spPr>
         <p:txBody>
-          <a:bodyPr vert="horz" lIns="81391" tIns="40695" rIns="81391" bIns="40695" rtlCol="0" anchor="ctr"/>
+          <a:bodyPr vert="horz" lIns="71030" tIns="35515" rIns="71030" bIns="35515" rtlCol="0" anchor="ctr"/>
           <a:lstStyle>
             <a:lvl1pPr algn="l">
-              <a:defRPr sz="1100">
+              <a:defRPr sz="1000">
                 <a:solidFill>
                   <a:schemeClr val="tx1">
                     <a:tint val="75000"/>
@@ -2743,18 +2743,18 @@
         </p:nvSpPr>
         <p:spPr>
           <a:xfrm>
-            <a:off x="2029647" y="3270876"/>
-            <a:ext cx="1881135" cy="187888"/>
+            <a:off x="1845235" y="1400753"/>
+            <a:ext cx="1710214" cy="80463"/>
           </a:xfrm>
           <a:prstGeom prst="rect">
             <a:avLst/>
           </a:prstGeom>
         </p:spPr>
         <p:txBody>
-          <a:bodyPr vert="horz" lIns="81391" tIns="40695" rIns="81391" bIns="40695" rtlCol="0" anchor="ctr"/>
+          <a:bodyPr vert="horz" lIns="71030" tIns="35515" rIns="71030" bIns="35515" rtlCol="0" anchor="ctr"/>
           <a:lstStyle>
             <a:lvl1pPr algn="ctr">
-              <a:defRPr sz="1100">
+              <a:defRPr sz="1000">
                 <a:solidFill>
                   <a:schemeClr val="tx1">
                     <a:tint val="75000"/>
@@ -2780,18 +2780,18 @@
         </p:nvSpPr>
         <p:spPr>
           <a:xfrm>
-            <a:off x="4257307" y="3270876"/>
-            <a:ext cx="1386099" cy="187888"/>
+            <a:off x="3870488" y="1400753"/>
+            <a:ext cx="1260157" cy="80463"/>
           </a:xfrm>
           <a:prstGeom prst="rect">
             <a:avLst/>
           </a:prstGeom>
         </p:spPr>
         <p:txBody>
-          <a:bodyPr vert="horz" lIns="81391" tIns="40695" rIns="81391" bIns="40695" rtlCol="0" anchor="ctr"/>
+          <a:bodyPr vert="horz" lIns="71030" tIns="35515" rIns="71030" bIns="35515" rtlCol="0" anchor="ctr"/>
           <a:lstStyle>
             <a:lvl1pPr algn="r">
-              <a:defRPr sz="1100">
+              <a:defRPr sz="1000">
                 <a:solidFill>
                   <a:schemeClr val="tx1">
                     <a:tint val="75000"/>
@@ -2832,12 +2832,12 @@
   </p:sldLayoutIdLst>
   <p:txStyles>
     <p:titleStyle>
-      <a:lvl1pPr algn="ctr" defTabSz="813907" rtl="0" eaLnBrk="1" latinLnBrk="0" hangingPunct="1">
+      <a:lvl1pPr algn="ctr" defTabSz="710297" rtl="0" eaLnBrk="1" latinLnBrk="0" hangingPunct="1">
         <a:spcBef>
           <a:spcPct val="0"/>
         </a:spcBef>
         <a:buNone/>
-        <a:defRPr sz="3900" kern="1200">
+        <a:defRPr sz="3400" kern="1200">
           <a:solidFill>
             <a:schemeClr val="tx1"/>
           </a:solidFill>
@@ -2848,13 +2848,13 @@
       </a:lvl1pPr>
     </p:titleStyle>
     <p:bodyStyle>
-      <a:lvl1pPr marL="305215" indent="-305215" algn="l" defTabSz="813907" rtl="0" eaLnBrk="1" latinLnBrk="0" hangingPunct="1">
+      <a:lvl1pPr marL="266361" indent="-266361" algn="l" defTabSz="710297" rtl="0" eaLnBrk="1" latinLnBrk="0" hangingPunct="1">
         <a:spcBef>
           <a:spcPct val="20000"/>
         </a:spcBef>
         <a:buFont typeface="Arial" pitchFamily="34" charset="0"/>
         <a:buChar char="•"/>
-        <a:defRPr sz="2800" kern="1200">
+        <a:defRPr sz="2400" kern="1200">
           <a:solidFill>
             <a:schemeClr val="tx1"/>
           </a:solidFill>
@@ -2863,13 +2863,13 @@
           <a:cs typeface="+mn-cs"/>
         </a:defRPr>
       </a:lvl1pPr>
-      <a:lvl2pPr marL="661300" indent="-254346" algn="l" defTabSz="813907" rtl="0" eaLnBrk="1" latinLnBrk="0" hangingPunct="1">
+      <a:lvl2pPr marL="577117" indent="-221968" algn="l" defTabSz="710297" rtl="0" eaLnBrk="1" latinLnBrk="0" hangingPunct="1">
         <a:spcBef>
           <a:spcPct val="20000"/>
         </a:spcBef>
         <a:buFont typeface="Arial" pitchFamily="34" charset="0"/>
         <a:buChar char="–"/>
-        <a:defRPr sz="2500" kern="1200">
+        <a:defRPr sz="2200" kern="1200">
           <a:solidFill>
             <a:schemeClr val="tx1"/>
           </a:solidFill>
@@ -2878,52 +2878,7 @@
           <a:cs typeface="+mn-cs"/>
         </a:defRPr>
       </a:lvl2pPr>
-      <a:lvl3pPr marL="1017384" indent="-203477" algn="l" defTabSz="813907" rtl="0" eaLnBrk="1" latinLnBrk="0" hangingPunct="1">
-        <a:spcBef>
-          <a:spcPct val="20000"/>
-        </a:spcBef>
-        <a:buFont typeface="Arial" pitchFamily="34" charset="0"/>
-        <a:buChar char="•"/>
-        <a:defRPr sz="2100" kern="1200">
-          <a:solidFill>
-            <a:schemeClr val="tx1"/>
-          </a:solidFill>
-          <a:latin typeface="+mn-lt"/>
-          <a:ea typeface="+mn-ea"/>
-          <a:cs typeface="+mn-cs"/>
-        </a:defRPr>
-      </a:lvl3pPr>
-      <a:lvl4pPr marL="1424338" indent="-203477" algn="l" defTabSz="813907" rtl="0" eaLnBrk="1" latinLnBrk="0" hangingPunct="1">
-        <a:spcBef>
-          <a:spcPct val="20000"/>
-        </a:spcBef>
-        <a:buFont typeface="Arial" pitchFamily="34" charset="0"/>
-        <a:buChar char="–"/>
-        <a:defRPr sz="1800" kern="1200">
-          <a:solidFill>
-            <a:schemeClr val="tx1"/>
-          </a:solidFill>
-          <a:latin typeface="+mn-lt"/>
-          <a:ea typeface="+mn-ea"/>
-          <a:cs typeface="+mn-cs"/>
-        </a:defRPr>
-      </a:lvl4pPr>
-      <a:lvl5pPr marL="1831292" indent="-203477" algn="l" defTabSz="813907" rtl="0" eaLnBrk="1" latinLnBrk="0" hangingPunct="1">
-        <a:spcBef>
-          <a:spcPct val="20000"/>
-        </a:spcBef>
-        <a:buFont typeface="Arial" pitchFamily="34" charset="0"/>
-        <a:buChar char="»"/>
-        <a:defRPr sz="1800" kern="1200">
-          <a:solidFill>
-            <a:schemeClr val="tx1"/>
-          </a:solidFill>
-          <a:latin typeface="+mn-lt"/>
-          <a:ea typeface="+mn-ea"/>
-          <a:cs typeface="+mn-cs"/>
-        </a:defRPr>
-      </a:lvl5pPr>
-      <a:lvl6pPr marL="2238245" indent="-203477" algn="l" defTabSz="813907" rtl="0" eaLnBrk="1" latinLnBrk="0" hangingPunct="1">
+      <a:lvl3pPr marL="887871" indent="-177574" algn="l" defTabSz="710297" rtl="0" eaLnBrk="1" latinLnBrk="0" hangingPunct="1">
         <a:spcBef>
           <a:spcPct val="20000"/>
         </a:spcBef>
@@ -2937,14 +2892,59 @@
           <a:ea typeface="+mn-ea"/>
           <a:cs typeface="+mn-cs"/>
         </a:defRPr>
-      </a:lvl6pPr>
-      <a:lvl7pPr marL="2645199" indent="-203477" algn="l" defTabSz="813907" rtl="0" eaLnBrk="1" latinLnBrk="0" hangingPunct="1">
+      </a:lvl3pPr>
+      <a:lvl4pPr marL="1243020" indent="-177574" algn="l" defTabSz="710297" rtl="0" eaLnBrk="1" latinLnBrk="0" hangingPunct="1">
+        <a:spcBef>
+          <a:spcPct val="20000"/>
+        </a:spcBef>
+        <a:buFont typeface="Arial" pitchFamily="34" charset="0"/>
+        <a:buChar char="–"/>
+        <a:defRPr sz="1600" kern="1200">
+          <a:solidFill>
+            <a:schemeClr val="tx1"/>
+          </a:solidFill>
+          <a:latin typeface="+mn-lt"/>
+          <a:ea typeface="+mn-ea"/>
+          <a:cs typeface="+mn-cs"/>
+        </a:defRPr>
+      </a:lvl4pPr>
+      <a:lvl5pPr marL="1598169" indent="-177574" algn="l" defTabSz="710297" rtl="0" eaLnBrk="1" latinLnBrk="0" hangingPunct="1">
+        <a:spcBef>
+          <a:spcPct val="20000"/>
+        </a:spcBef>
+        <a:buFont typeface="Arial" pitchFamily="34" charset="0"/>
+        <a:buChar char="»"/>
+        <a:defRPr sz="1600" kern="1200">
+          <a:solidFill>
+            <a:schemeClr val="tx1"/>
+          </a:solidFill>
+          <a:latin typeface="+mn-lt"/>
+          <a:ea typeface="+mn-ea"/>
+          <a:cs typeface="+mn-cs"/>
+        </a:defRPr>
+      </a:lvl5pPr>
+      <a:lvl6pPr marL="1953316" indent="-177574" algn="l" defTabSz="710297" rtl="0" eaLnBrk="1" latinLnBrk="0" hangingPunct="1">
         <a:spcBef>
           <a:spcPct val="20000"/>
         </a:spcBef>
         <a:buFont typeface="Arial" pitchFamily="34" charset="0"/>
         <a:buChar char="•"/>
-        <a:defRPr sz="1800" kern="1200">
+        <a:defRPr sz="1600" kern="1200">
+          <a:solidFill>
+            <a:schemeClr val="tx1"/>
+          </a:solidFill>
+          <a:latin typeface="+mn-lt"/>
+          <a:ea typeface="+mn-ea"/>
+          <a:cs typeface="+mn-cs"/>
+        </a:defRPr>
+      </a:lvl6pPr>
+      <a:lvl7pPr marL="2308465" indent="-177574" algn="l" defTabSz="710297" rtl="0" eaLnBrk="1" latinLnBrk="0" hangingPunct="1">
+        <a:spcBef>
+          <a:spcPct val="20000"/>
+        </a:spcBef>
+        <a:buFont typeface="Arial" pitchFamily="34" charset="0"/>
+        <a:buChar char="•"/>
+        <a:defRPr sz="1600" kern="1200">
           <a:solidFill>
             <a:schemeClr val="tx1"/>
           </a:solidFill>
@@ -2953,13 +2953,13 @@
           <a:cs typeface="+mn-cs"/>
         </a:defRPr>
       </a:lvl7pPr>
-      <a:lvl8pPr marL="3052153" indent="-203477" algn="l" defTabSz="813907" rtl="0" eaLnBrk="1" latinLnBrk="0" hangingPunct="1">
+      <a:lvl8pPr marL="2663614" indent="-177574" algn="l" defTabSz="710297" rtl="0" eaLnBrk="1" latinLnBrk="0" hangingPunct="1">
         <a:spcBef>
           <a:spcPct val="20000"/>
         </a:spcBef>
         <a:buFont typeface="Arial" pitchFamily="34" charset="0"/>
         <a:buChar char="•"/>
-        <a:defRPr sz="1800" kern="1200">
+        <a:defRPr sz="1600" kern="1200">
           <a:solidFill>
             <a:schemeClr val="tx1"/>
           </a:solidFill>
@@ -2968,13 +2968,13 @@
           <a:cs typeface="+mn-cs"/>
         </a:defRPr>
       </a:lvl8pPr>
-      <a:lvl9pPr marL="3459107" indent="-203477" algn="l" defTabSz="813907" rtl="0" eaLnBrk="1" latinLnBrk="0" hangingPunct="1">
+      <a:lvl9pPr marL="3018763" indent="-177574" algn="l" defTabSz="710297" rtl="0" eaLnBrk="1" latinLnBrk="0" hangingPunct="1">
         <a:spcBef>
           <a:spcPct val="20000"/>
         </a:spcBef>
         <a:buFont typeface="Arial" pitchFamily="34" charset="0"/>
         <a:buChar char="•"/>
-        <a:defRPr sz="1800" kern="1200">
+        <a:defRPr sz="1600" kern="1200">
           <a:solidFill>
             <a:schemeClr val="tx1"/>
           </a:solidFill>
@@ -2988,8 +2988,8 @@
       <a:defPPr>
         <a:defRPr lang="es-MX"/>
       </a:defPPr>
-      <a:lvl1pPr marL="0" algn="l" defTabSz="813907" rtl="0" eaLnBrk="1" latinLnBrk="0" hangingPunct="1">
-        <a:defRPr sz="1600" kern="1200">
+      <a:lvl1pPr marL="0" algn="l" defTabSz="710297" rtl="0" eaLnBrk="1" latinLnBrk="0" hangingPunct="1">
+        <a:defRPr sz="1400" kern="1200">
           <a:solidFill>
             <a:schemeClr val="tx1"/>
           </a:solidFill>
@@ -2998,8 +2998,8 @@
           <a:cs typeface="+mn-cs"/>
         </a:defRPr>
       </a:lvl1pPr>
-      <a:lvl2pPr marL="406954" algn="l" defTabSz="813907" rtl="0" eaLnBrk="1" latinLnBrk="0" hangingPunct="1">
-        <a:defRPr sz="1600" kern="1200">
+      <a:lvl2pPr marL="355149" algn="l" defTabSz="710297" rtl="0" eaLnBrk="1" latinLnBrk="0" hangingPunct="1">
+        <a:defRPr sz="1400" kern="1200">
           <a:solidFill>
             <a:schemeClr val="tx1"/>
           </a:solidFill>
@@ -3008,8 +3008,8 @@
           <a:cs typeface="+mn-cs"/>
         </a:defRPr>
       </a:lvl2pPr>
-      <a:lvl3pPr marL="813907" algn="l" defTabSz="813907" rtl="0" eaLnBrk="1" latinLnBrk="0" hangingPunct="1">
-        <a:defRPr sz="1600" kern="1200">
+      <a:lvl3pPr marL="710297" algn="l" defTabSz="710297" rtl="0" eaLnBrk="1" latinLnBrk="0" hangingPunct="1">
+        <a:defRPr sz="1400" kern="1200">
           <a:solidFill>
             <a:schemeClr val="tx1"/>
           </a:solidFill>
@@ -3018,8 +3018,8 @@
           <a:cs typeface="+mn-cs"/>
         </a:defRPr>
       </a:lvl3pPr>
-      <a:lvl4pPr marL="1220861" algn="l" defTabSz="813907" rtl="0" eaLnBrk="1" latinLnBrk="0" hangingPunct="1">
-        <a:defRPr sz="1600" kern="1200">
+      <a:lvl4pPr marL="1065445" algn="l" defTabSz="710297" rtl="0" eaLnBrk="1" latinLnBrk="0" hangingPunct="1">
+        <a:defRPr sz="1400" kern="1200">
           <a:solidFill>
             <a:schemeClr val="tx1"/>
           </a:solidFill>
@@ -3028,8 +3028,8 @@
           <a:cs typeface="+mn-cs"/>
         </a:defRPr>
       </a:lvl4pPr>
-      <a:lvl5pPr marL="1627815" algn="l" defTabSz="813907" rtl="0" eaLnBrk="1" latinLnBrk="0" hangingPunct="1">
-        <a:defRPr sz="1600" kern="1200">
+      <a:lvl5pPr marL="1420594" algn="l" defTabSz="710297" rtl="0" eaLnBrk="1" latinLnBrk="0" hangingPunct="1">
+        <a:defRPr sz="1400" kern="1200">
           <a:solidFill>
             <a:schemeClr val="tx1"/>
           </a:solidFill>
@@ -3038,8 +3038,8 @@
           <a:cs typeface="+mn-cs"/>
         </a:defRPr>
       </a:lvl5pPr>
-      <a:lvl6pPr marL="2034769" algn="l" defTabSz="813907" rtl="0" eaLnBrk="1" latinLnBrk="0" hangingPunct="1">
-        <a:defRPr sz="1600" kern="1200">
+      <a:lvl6pPr marL="1775743" algn="l" defTabSz="710297" rtl="0" eaLnBrk="1" latinLnBrk="0" hangingPunct="1">
+        <a:defRPr sz="1400" kern="1200">
           <a:solidFill>
             <a:schemeClr val="tx1"/>
           </a:solidFill>
@@ -3048,8 +3048,8 @@
           <a:cs typeface="+mn-cs"/>
         </a:defRPr>
       </a:lvl6pPr>
-      <a:lvl7pPr marL="2441722" algn="l" defTabSz="813907" rtl="0" eaLnBrk="1" latinLnBrk="0" hangingPunct="1">
-        <a:defRPr sz="1600" kern="1200">
+      <a:lvl7pPr marL="2130891" algn="l" defTabSz="710297" rtl="0" eaLnBrk="1" latinLnBrk="0" hangingPunct="1">
+        <a:defRPr sz="1400" kern="1200">
           <a:solidFill>
             <a:schemeClr val="tx1"/>
           </a:solidFill>
@@ -3058,8 +3058,8 @@
           <a:cs typeface="+mn-cs"/>
         </a:defRPr>
       </a:lvl7pPr>
-      <a:lvl8pPr marL="2848676" algn="l" defTabSz="813907" rtl="0" eaLnBrk="1" latinLnBrk="0" hangingPunct="1">
-        <a:defRPr sz="1600" kern="1200">
+      <a:lvl8pPr marL="2486040" algn="l" defTabSz="710297" rtl="0" eaLnBrk="1" latinLnBrk="0" hangingPunct="1">
+        <a:defRPr sz="1400" kern="1200">
           <a:solidFill>
             <a:schemeClr val="tx1"/>
           </a:solidFill>
@@ -3068,8 +3068,8 @@
           <a:cs typeface="+mn-cs"/>
         </a:defRPr>
       </a:lvl8pPr>
-      <a:lvl9pPr marL="3255630" algn="l" defTabSz="813907" rtl="0" eaLnBrk="1" latinLnBrk="0" hangingPunct="1">
-        <a:defRPr sz="1600" kern="1200">
+      <a:lvl9pPr marL="2841188" algn="l" defTabSz="710297" rtl="0" eaLnBrk="1" latinLnBrk="0" hangingPunct="1">
+        <a:defRPr sz="1400" kern="1200">
           <a:solidFill>
             <a:schemeClr val="tx1"/>
           </a:solidFill>
@@ -3121,8 +3121,8 @@
         </p:blipFill>
         <p:spPr bwMode="auto">
           <a:xfrm>
-            <a:off x="233908" y="684386"/>
-            <a:ext cx="5410151" cy="1750449"/>
+            <a:off x="0" y="0"/>
+            <a:ext cx="5400675" cy="1511300"/>
           </a:xfrm>
           <a:prstGeom prst="rect">
             <a:avLst/>
